--- a/ppt/Git 관리하기.pptx
+++ b/ppt/Git 관리하기.pptx
@@ -5944,6 +5944,29 @@
               <a:rPr lang="en-US" altLang="ko-KR" dirty="0"/>
               <a:t>)</a:t>
             </a:r>
+          </a:p>
+          <a:p>
+            <a:pPr marL="0" indent="0">
+              <a:buNone/>
+            </a:pPr>
+            <a:r>
+              <a:rPr lang="en-US" altLang="ko-KR" dirty="0">
+                <a:hlinkClick r:id="rId2"/>
+              </a:rPr>
+              <a:t>https://techblog.woowahan.com/2553/</a:t>
+            </a:r>
+            <a:r>
+              <a:rPr lang="en-US" altLang="ko-KR" dirty="0"/>
+              <a:t> (rebase</a:t>
+            </a:r>
+            <a:r>
+              <a:rPr lang="ko-KR" altLang="en-US" dirty="0"/>
+              <a:t> 장점</a:t>
+            </a:r>
+            <a:r>
+              <a:rPr lang="en-US" altLang="ko-KR"/>
+              <a:t>)</a:t>
+            </a:r>
             <a:endParaRPr lang="ko-KR" altLang="en-US" dirty="0"/>
           </a:p>
         </p:txBody>

--- a/ppt/Git 관리하기.pptx
+++ b/ppt/Git 관리하기.pptx
@@ -267,7 +267,7 @@
           <a:p>
             <a:fld id="{00BF0491-CAA9-49B0-AC23-DCFFB002EDC8}" type="datetimeFigureOut">
               <a:rPr lang="ko-KR" altLang="en-US" smtClean="0"/>
-              <a:t>2021-07-06</a:t>
+              <a:t>2021-07-07</a:t>
             </a:fld>
             <a:endParaRPr lang="ko-KR" altLang="en-US"/>
           </a:p>
@@ -465,7 +465,7 @@
           <a:p>
             <a:fld id="{00BF0491-CAA9-49B0-AC23-DCFFB002EDC8}" type="datetimeFigureOut">
               <a:rPr lang="ko-KR" altLang="en-US" smtClean="0"/>
-              <a:t>2021-07-06</a:t>
+              <a:t>2021-07-07</a:t>
             </a:fld>
             <a:endParaRPr lang="ko-KR" altLang="en-US"/>
           </a:p>
@@ -673,7 +673,7 @@
           <a:p>
             <a:fld id="{00BF0491-CAA9-49B0-AC23-DCFFB002EDC8}" type="datetimeFigureOut">
               <a:rPr lang="ko-KR" altLang="en-US" smtClean="0"/>
-              <a:t>2021-07-06</a:t>
+              <a:t>2021-07-07</a:t>
             </a:fld>
             <a:endParaRPr lang="ko-KR" altLang="en-US"/>
           </a:p>
@@ -871,7 +871,7 @@
           <a:p>
             <a:fld id="{00BF0491-CAA9-49B0-AC23-DCFFB002EDC8}" type="datetimeFigureOut">
               <a:rPr lang="ko-KR" altLang="en-US" smtClean="0"/>
-              <a:t>2021-07-06</a:t>
+              <a:t>2021-07-07</a:t>
             </a:fld>
             <a:endParaRPr lang="ko-KR" altLang="en-US"/>
           </a:p>
@@ -1146,7 +1146,7 @@
           <a:p>
             <a:fld id="{00BF0491-CAA9-49B0-AC23-DCFFB002EDC8}" type="datetimeFigureOut">
               <a:rPr lang="ko-KR" altLang="en-US" smtClean="0"/>
-              <a:t>2021-07-06</a:t>
+              <a:t>2021-07-07</a:t>
             </a:fld>
             <a:endParaRPr lang="ko-KR" altLang="en-US"/>
           </a:p>
@@ -1411,7 +1411,7 @@
           <a:p>
             <a:fld id="{00BF0491-CAA9-49B0-AC23-DCFFB002EDC8}" type="datetimeFigureOut">
               <a:rPr lang="ko-KR" altLang="en-US" smtClean="0"/>
-              <a:t>2021-07-06</a:t>
+              <a:t>2021-07-07</a:t>
             </a:fld>
             <a:endParaRPr lang="ko-KR" altLang="en-US"/>
           </a:p>
@@ -1823,7 +1823,7 @@
           <a:p>
             <a:fld id="{00BF0491-CAA9-49B0-AC23-DCFFB002EDC8}" type="datetimeFigureOut">
               <a:rPr lang="ko-KR" altLang="en-US" smtClean="0"/>
-              <a:t>2021-07-06</a:t>
+              <a:t>2021-07-07</a:t>
             </a:fld>
             <a:endParaRPr lang="ko-KR" altLang="en-US"/>
           </a:p>
@@ -1964,7 +1964,7 @@
           <a:p>
             <a:fld id="{00BF0491-CAA9-49B0-AC23-DCFFB002EDC8}" type="datetimeFigureOut">
               <a:rPr lang="ko-KR" altLang="en-US" smtClean="0"/>
-              <a:t>2021-07-06</a:t>
+              <a:t>2021-07-07</a:t>
             </a:fld>
             <a:endParaRPr lang="ko-KR" altLang="en-US"/>
           </a:p>
@@ -2077,7 +2077,7 @@
           <a:p>
             <a:fld id="{00BF0491-CAA9-49B0-AC23-DCFFB002EDC8}" type="datetimeFigureOut">
               <a:rPr lang="ko-KR" altLang="en-US" smtClean="0"/>
-              <a:t>2021-07-06</a:t>
+              <a:t>2021-07-07</a:t>
             </a:fld>
             <a:endParaRPr lang="ko-KR" altLang="en-US"/>
           </a:p>
@@ -2388,7 +2388,7 @@
           <a:p>
             <a:fld id="{00BF0491-CAA9-49B0-AC23-DCFFB002EDC8}" type="datetimeFigureOut">
               <a:rPr lang="ko-KR" altLang="en-US" smtClean="0"/>
-              <a:t>2021-07-06</a:t>
+              <a:t>2021-07-07</a:t>
             </a:fld>
             <a:endParaRPr lang="ko-KR" altLang="en-US"/>
           </a:p>
@@ -2676,7 +2676,7 @@
           <a:p>
             <a:fld id="{00BF0491-CAA9-49B0-AC23-DCFFB002EDC8}" type="datetimeFigureOut">
               <a:rPr lang="ko-KR" altLang="en-US" smtClean="0"/>
-              <a:t>2021-07-06</a:t>
+              <a:t>2021-07-07</a:t>
             </a:fld>
             <a:endParaRPr lang="ko-KR" altLang="en-US"/>
           </a:p>
@@ -2917,7 +2917,7 @@
           <a:p>
             <a:fld id="{00BF0491-CAA9-49B0-AC23-DCFFB002EDC8}" type="datetimeFigureOut">
               <a:rPr lang="ko-KR" altLang="en-US" smtClean="0"/>
-              <a:t>2021-07-06</a:t>
+              <a:t>2021-07-07</a:t>
             </a:fld>
             <a:endParaRPr lang="ko-KR" altLang="en-US"/>
           </a:p>
@@ -3387,7 +3387,14 @@
           <a:bodyPr/>
           <a:lstStyle/>
           <a:p>
-            <a:endParaRPr lang="ko-KR" altLang="en-US"/>
+            <a:endParaRPr lang="en-US" altLang="ko-KR" dirty="0"/>
+          </a:p>
+          <a:p>
+            <a:r>
+              <a:rPr lang="ko-KR" altLang="en-US" dirty="0" err="1"/>
+              <a:t>서종현</a:t>
+            </a:r>
+            <a:endParaRPr lang="ko-KR" altLang="en-US" dirty="0"/>
           </a:p>
         </p:txBody>
       </p:sp>
